--- a/ppt/6-perceptron-model.pptx
+++ b/ppt/6-perceptron-model.pptx
@@ -8,8 +8,9 @@
     <p:sldId id="345" r:id="rId2"/>
     <p:sldId id="269" r:id="rId3"/>
     <p:sldId id="350" r:id="rId4"/>
-    <p:sldId id="272" r:id="rId5"/>
-    <p:sldId id="271" r:id="rId6"/>
+    <p:sldId id="351" r:id="rId5"/>
+    <p:sldId id="272" r:id="rId6"/>
+    <p:sldId id="271" r:id="rId7"/>
   </p:sldIdLst>
   <p:sldSz cx="9144000" cy="6858000" type="screen4x3"/>
   <p:notesSz cx="6858000" cy="9144000"/>
@@ -247,7 +248,7 @@
           <a:p>
             <a:fld id="{99088BE3-65C5-2A47-8E5D-0959F8034D1C}" type="datetimeFigureOut">
               <a:rPr kumimoji="1" lang="zh-CN" altLang="en-US" smtClean="0"/>
-              <a:t>2020/12/6</a:t>
+              <a:t>2022/9/5</a:t>
             </a:fld>
             <a:endParaRPr kumimoji="1" lang="zh-CN" altLang="en-US"/>
           </a:p>
@@ -393,7 +394,7 @@
           <a:p>
             <a:fld id="{99088BE3-65C5-2A47-8E5D-0959F8034D1C}" type="datetimeFigureOut">
               <a:rPr kumimoji="1" lang="zh-CN" altLang="en-US" smtClean="0"/>
-              <a:t>2020/12/6</a:t>
+              <a:t>2022/9/5</a:t>
             </a:fld>
             <a:endParaRPr kumimoji="1" lang="zh-CN" altLang="en-US"/>
           </a:p>
@@ -549,7 +550,7 @@
           <a:p>
             <a:fld id="{99088BE3-65C5-2A47-8E5D-0959F8034D1C}" type="datetimeFigureOut">
               <a:rPr kumimoji="1" lang="zh-CN" altLang="en-US" smtClean="0"/>
-              <a:t>2020/12/6</a:t>
+              <a:t>2022/9/5</a:t>
             </a:fld>
             <a:endParaRPr kumimoji="1" lang="zh-CN" altLang="en-US"/>
           </a:p>
@@ -695,7 +696,7 @@
           <a:p>
             <a:fld id="{99088BE3-65C5-2A47-8E5D-0959F8034D1C}" type="datetimeFigureOut">
               <a:rPr kumimoji="1" lang="zh-CN" altLang="en-US" smtClean="0"/>
-              <a:t>2020/12/6</a:t>
+              <a:t>2022/9/5</a:t>
             </a:fld>
             <a:endParaRPr kumimoji="1" lang="zh-CN" altLang="en-US"/>
           </a:p>
@@ -944,7 +945,7 @@
           <a:p>
             <a:fld id="{99088BE3-65C5-2A47-8E5D-0959F8034D1C}" type="datetimeFigureOut">
               <a:rPr kumimoji="1" lang="zh-CN" altLang="en-US" smtClean="0"/>
-              <a:t>2020/12/6</a:t>
+              <a:t>2022/9/5</a:t>
             </a:fld>
             <a:endParaRPr kumimoji="1" lang="zh-CN" altLang="en-US"/>
           </a:p>
@@ -1128,7 +1129,7 @@
           <a:p>
             <a:fld id="{99088BE3-65C5-2A47-8E5D-0959F8034D1C}" type="datetimeFigureOut">
               <a:rPr kumimoji="1" lang="zh-CN" altLang="en-US" smtClean="0"/>
-              <a:t>2020/12/6</a:t>
+              <a:t>2022/9/5</a:t>
             </a:fld>
             <a:endParaRPr kumimoji="1" lang="zh-CN" altLang="en-US"/>
           </a:p>
@@ -1457,7 +1458,7 @@
           <a:p>
             <a:fld id="{99088BE3-65C5-2A47-8E5D-0959F8034D1C}" type="datetimeFigureOut">
               <a:rPr kumimoji="1" lang="zh-CN" altLang="en-US" smtClean="0"/>
-              <a:t>2020/12/6</a:t>
+              <a:t>2022/9/5</a:t>
             </a:fld>
             <a:endParaRPr kumimoji="1" lang="zh-CN" altLang="en-US"/>
           </a:p>
@@ -1575,7 +1576,7 @@
           <a:p>
             <a:fld id="{99088BE3-65C5-2A47-8E5D-0959F8034D1C}" type="datetimeFigureOut">
               <a:rPr kumimoji="1" lang="zh-CN" altLang="en-US" smtClean="0"/>
-              <a:t>2020/12/6</a:t>
+              <a:t>2022/9/5</a:t>
             </a:fld>
             <a:endParaRPr kumimoji="1" lang="zh-CN" altLang="en-US"/>
           </a:p>
@@ -1670,7 +1671,7 @@
           <a:p>
             <a:fld id="{99088BE3-65C5-2A47-8E5D-0959F8034D1C}" type="datetimeFigureOut">
               <a:rPr kumimoji="1" lang="zh-CN" altLang="en-US" smtClean="0"/>
-              <a:t>2020/12/6</a:t>
+              <a:t>2022/9/5</a:t>
             </a:fld>
             <a:endParaRPr kumimoji="1" lang="zh-CN" altLang="en-US"/>
           </a:p>
@@ -1928,7 +1929,7 @@
           <a:p>
             <a:fld id="{99088BE3-65C5-2A47-8E5D-0959F8034D1C}" type="datetimeFigureOut">
               <a:rPr kumimoji="1" lang="zh-CN" altLang="en-US" smtClean="0"/>
-              <a:t>2020/12/6</a:t>
+              <a:t>2022/9/5</a:t>
             </a:fld>
             <a:endParaRPr kumimoji="1" lang="zh-CN" altLang="en-US"/>
           </a:p>
@@ -2190,7 +2191,7 @@
           <a:p>
             <a:fld id="{99088BE3-65C5-2A47-8E5D-0959F8034D1C}" type="datetimeFigureOut">
               <a:rPr kumimoji="1" lang="zh-CN" altLang="en-US" smtClean="0"/>
-              <a:t>2020/12/6</a:t>
+              <a:t>2022/9/5</a:t>
             </a:fld>
             <a:endParaRPr kumimoji="1" lang="zh-CN" altLang="en-US"/>
           </a:p>
@@ -2379,7 +2380,7 @@
           <a:p>
             <a:fld id="{99088BE3-65C5-2A47-8E5D-0959F8034D1C}" type="datetimeFigureOut">
               <a:rPr kumimoji="1" lang="zh-CN" altLang="en-US" smtClean="0"/>
-              <a:t>2020/12/6</a:t>
+              <a:t>2022/9/5</a:t>
             </a:fld>
             <a:endParaRPr kumimoji="1" lang="zh-CN" altLang="en-US"/>
           </a:p>
@@ -2825,6 +2826,36 @@
           </a:p>
         </p:txBody>
       </p:sp>
+      <p:pic>
+        <p:nvPicPr>
+          <p:cNvPr id="4" name="图片 3">
+            <a:extLst>
+              <a:ext uri="{FF2B5EF4-FFF2-40B4-BE49-F238E27FC236}">
+                <a16:creationId xmlns:a16="http://schemas.microsoft.com/office/drawing/2014/main" id="{FDF0CCAC-B81C-CB49-95E0-0D4BC43A63DE}"/>
+              </a:ext>
+            </a:extLst>
+          </p:cNvPr>
+          <p:cNvPicPr>
+            <a:picLocks noChangeAspect="1"/>
+          </p:cNvPicPr>
+          <p:nvPr/>
+        </p:nvPicPr>
+        <p:blipFill>
+          <a:blip r:embed="rId2"/>
+          <a:stretch>
+            <a:fillRect/>
+          </a:stretch>
+        </p:blipFill>
+        <p:spPr>
+          <a:xfrm>
+            <a:off x="623888" y="4589464"/>
+            <a:ext cx="7356297" cy="1028920"/>
+          </a:xfrm>
+          <a:prstGeom prst="rect">
+            <a:avLst/>
+          </a:prstGeom>
+        </p:spPr>
+      </p:pic>
     </p:spTree>
     <p:extLst>
       <p:ext uri="{BB962C8B-B14F-4D97-AF65-F5344CB8AC3E}">
@@ -3045,6 +3076,36 @@
           </a:p>
         </p:txBody>
       </p:sp>
+      <p:pic>
+        <p:nvPicPr>
+          <p:cNvPr id="5" name="图片 4">
+            <a:extLst>
+              <a:ext uri="{FF2B5EF4-FFF2-40B4-BE49-F238E27FC236}">
+                <a16:creationId xmlns:a16="http://schemas.microsoft.com/office/drawing/2014/main" id="{797735F3-A7EB-094C-A3F6-E9A38C5D9A9C}"/>
+              </a:ext>
+            </a:extLst>
+          </p:cNvPr>
+          <p:cNvPicPr>
+            <a:picLocks noChangeAspect="1"/>
+          </p:cNvPicPr>
+          <p:nvPr/>
+        </p:nvPicPr>
+        <p:blipFill>
+          <a:blip r:embed="rId4"/>
+          <a:stretch>
+            <a:fillRect/>
+          </a:stretch>
+        </p:blipFill>
+        <p:spPr>
+          <a:xfrm>
+            <a:off x="4440556" y="3465360"/>
+            <a:ext cx="4551452" cy="636609"/>
+          </a:xfrm>
+          <a:prstGeom prst="rect">
+            <a:avLst/>
+          </a:prstGeom>
+        </p:spPr>
+      </p:pic>
     </p:spTree>
     <p:extLst>
       <p:ext uri="{BB962C8B-B14F-4D97-AF65-F5344CB8AC3E}">
@@ -3149,7 +3210,7 @@
           <a:noFill/>
           <a:extLst>
             <a:ext uri="{909E8E84-426E-40dd-AFC4-6F175D3DCCD1}">
-              <a14:hiddenFill xmlns="" xmlns:a14="http://schemas.microsoft.com/office/drawing/2010/main">
+              <a14:hiddenFill xmlns:a14="http://schemas.microsoft.com/office/drawing/2010/main" xmlns="">
                 <a:solidFill>
                   <a:srgbClr val="FFFFFF"/>
                 </a:solidFill>
@@ -3286,7 +3347,7 @@
           <a:noFill/>
           <a:extLst>
             <a:ext uri="{909E8E84-426E-40dd-AFC4-6F175D3DCCD1}">
-              <a14:hiddenFill xmlns="" xmlns:a14="http://schemas.microsoft.com/office/drawing/2010/main">
+              <a14:hiddenFill xmlns:a14="http://schemas.microsoft.com/office/drawing/2010/main" xmlns="">
                 <a:solidFill>
                   <a:srgbClr val="FFFFFF"/>
                 </a:solidFill>
@@ -3359,14 +3420,19 @@
             <p:ph type="title"/>
           </p:nvPr>
         </p:nvSpPr>
-        <p:spPr/>
-        <p:txBody>
-          <a:bodyPr/>
-          <a:lstStyle/>
-          <a:p>
-            <a:r>
-              <a:rPr lang="zh-CN" altLang="en-US" dirty="0"/>
-              <a:t>旋转的效果</a:t>
+        <p:spPr>
+          <a:xfrm>
+            <a:off x="443715" y="98024"/>
+            <a:ext cx="7886700" cy="1325563"/>
+          </a:xfrm>
+        </p:spPr>
+        <p:txBody>
+          <a:bodyPr/>
+          <a:lstStyle/>
+          <a:p>
+            <a:r>
+              <a:rPr lang="zh-CN" altLang="en-US" dirty="0"/>
+              <a:t>感知机分类效果</a:t>
             </a:r>
           </a:p>
         </p:txBody>
@@ -3383,104 +3449,319 @@
         </p:nvSpPr>
         <p:spPr>
           <a:xfrm>
-            <a:off x="628650" y="1825625"/>
-            <a:ext cx="2754630" cy="4351338"/>
-          </a:xfrm>
-        </p:spPr>
-        <p:txBody>
-          <a:bodyPr/>
-          <a:lstStyle/>
-          <a:p>
+            <a:off x="361521" y="1338019"/>
+            <a:ext cx="2998129" cy="5435028"/>
+          </a:xfrm>
+        </p:spPr>
+        <p:txBody>
+          <a:bodyPr>
+            <a:normAutofit fontScale="70000" lnSpcReduction="20000"/>
+          </a:bodyPr>
+          <a:lstStyle/>
+          <a:p>
+            <a:pPr>
+              <a:lnSpc>
+                <a:spcPct val="120000"/>
+              </a:lnSpc>
+            </a:pPr>
+            <a:r>
+              <a:rPr lang="zh-CN" altLang="en-US" dirty="0"/>
+              <a:t>方格、圆点，代表真实类型</a:t>
+            </a:r>
+            <a:endParaRPr lang="en-US" altLang="zh-CN" dirty="0"/>
+          </a:p>
+          <a:p>
+            <a:pPr lvl="1">
+              <a:lnSpc>
+                <a:spcPct val="120000"/>
+              </a:lnSpc>
+            </a:pPr>
+            <a:r>
+              <a:rPr lang="zh-CN" altLang="en-US" dirty="0"/>
+              <a:t>用 </a:t>
+            </a:r>
             <a:r>
               <a:rPr lang="en-US" altLang="zh-CN" dirty="0"/>
-              <a:t>y(x</a:t>
+              <a:t>y</a:t>
+            </a:r>
+            <a:r>
+              <a:rPr lang="zh-CN" altLang="en-US" dirty="0"/>
+              <a:t> </a:t>
+            </a:r>
+            <a:r>
+              <a:rPr lang="en-US" altLang="zh-CN" dirty="0"/>
+              <a:t>=</a:t>
+            </a:r>
+            <a:r>
+              <a:rPr lang="zh-CN" altLang="en-US" dirty="0"/>
+              <a:t> </a:t>
+            </a:r>
+            <a:r>
+              <a:rPr lang="en-US" altLang="zh-CN" dirty="0"/>
+              <a:t>1</a:t>
+            </a:r>
+            <a:r>
+              <a:rPr lang="zh-CN" altLang="en-US" dirty="0"/>
+              <a:t> 表示方格</a:t>
+            </a:r>
+            <a:endParaRPr lang="en-US" altLang="zh-CN" dirty="0"/>
+          </a:p>
+          <a:p>
+            <a:pPr lvl="1">
+              <a:lnSpc>
+                <a:spcPct val="120000"/>
+              </a:lnSpc>
+            </a:pPr>
+            <a:r>
+              <a:rPr lang="zh-CN" altLang="en-US" dirty="0"/>
+              <a:t>用 </a:t>
+            </a:r>
+            <a:r>
+              <a:rPr lang="en-US" altLang="zh-CN" dirty="0"/>
+              <a:t>y</a:t>
+            </a:r>
+            <a:r>
+              <a:rPr lang="zh-CN" altLang="en-US" dirty="0"/>
+              <a:t> </a:t>
+            </a:r>
+            <a:r>
+              <a:rPr lang="en-US" altLang="zh-CN" dirty="0"/>
+              <a:t>=</a:t>
+            </a:r>
+            <a:r>
+              <a:rPr lang="zh-CN" altLang="en-US" dirty="0"/>
+              <a:t> </a:t>
+            </a:r>
+            <a:r>
+              <a:rPr lang="en-US" altLang="zh-CN" dirty="0"/>
+              <a:t>-1</a:t>
+            </a:r>
+            <a:r>
+              <a:rPr lang="zh-CN" altLang="en-US" dirty="0"/>
+              <a:t> 表示圆点</a:t>
+            </a:r>
+            <a:endParaRPr lang="en-US" altLang="zh-CN" dirty="0"/>
+          </a:p>
+          <a:p>
+            <a:pPr>
+              <a:lnSpc>
+                <a:spcPct val="120000"/>
+              </a:lnSpc>
+            </a:pPr>
+            <a:r>
+              <a:rPr lang="zh-CN" altLang="en-US" dirty="0"/>
+              <a:t>分类器</a:t>
+            </a:r>
+            <a:endParaRPr lang="en-US" altLang="zh-CN" dirty="0"/>
+          </a:p>
+          <a:p>
+            <a:pPr lvl="1">
+              <a:lnSpc>
+                <a:spcPct val="120000"/>
+              </a:lnSpc>
+            </a:pPr>
+            <a:endParaRPr lang="en-US" altLang="zh-CN" dirty="0"/>
+          </a:p>
+          <a:p>
+            <a:pPr lvl="1">
+              <a:lnSpc>
+                <a:spcPct val="120000"/>
+              </a:lnSpc>
+            </a:pPr>
+            <a:endParaRPr lang="en-US" altLang="zh-CN" dirty="0"/>
+          </a:p>
+          <a:p>
+            <a:pPr>
+              <a:lnSpc>
+                <a:spcPct val="120000"/>
+              </a:lnSpc>
+            </a:pPr>
+            <a:r>
+              <a:rPr lang="zh-CN" altLang="en-US" dirty="0"/>
+              <a:t>分类效果：</a:t>
+            </a:r>
+            <a:endParaRPr lang="en-US" altLang="zh-CN" dirty="0"/>
+          </a:p>
+          <a:p>
+            <a:pPr lvl="1">
+              <a:lnSpc>
+                <a:spcPct val="120000"/>
+              </a:lnSpc>
+            </a:pPr>
+            <a:r>
+              <a:rPr lang="zh-CN" altLang="en-US" dirty="0"/>
+              <a:t>所有圆点，</a:t>
+            </a:r>
+            <a:r>
+              <a:rPr lang="en-US" altLang="zh-CN" dirty="0" err="1"/>
+              <a:t>wx</a:t>
+            </a:r>
+            <a:r>
+              <a:rPr lang="zh-CN" altLang="en-US" dirty="0"/>
+              <a:t> </a:t>
+            </a:r>
+            <a:r>
+              <a:rPr lang="en-US" altLang="zh-CN" dirty="0"/>
+              <a:t>&lt; 0, </a:t>
+            </a:r>
+            <a:r>
+              <a:rPr lang="zh-CN" altLang="en-US" dirty="0"/>
+              <a:t>所以，</a:t>
+            </a:r>
+            <a:r>
+              <a:rPr lang="en-US" altLang="zh-CN" dirty="0"/>
+              <a:t>f(x) = -1</a:t>
+            </a:r>
+          </a:p>
+          <a:p>
+            <a:pPr lvl="1">
+              <a:lnSpc>
+                <a:spcPct val="120000"/>
+              </a:lnSpc>
+            </a:pPr>
+            <a:r>
+              <a:rPr lang="zh-CN" altLang="en-US" dirty="0"/>
+              <a:t>大多数方格，</a:t>
+            </a:r>
+            <a:r>
+              <a:rPr lang="en-US" altLang="zh-CN" dirty="0" err="1"/>
+              <a:t>wx</a:t>
+            </a:r>
+            <a:r>
+              <a:rPr lang="zh-CN" altLang="en-US" dirty="0"/>
+              <a:t> </a:t>
+            </a:r>
+            <a:r>
+              <a:rPr lang="en-US" altLang="zh-CN" dirty="0"/>
+              <a:t>&gt; 0, </a:t>
+            </a:r>
+            <a:r>
+              <a:rPr lang="zh-CN" altLang="en-US" dirty="0"/>
+              <a:t>所以，</a:t>
+            </a:r>
+            <a:r>
+              <a:rPr lang="en-US" altLang="zh-CN" dirty="0"/>
+              <a:t>f(x) = 1</a:t>
+            </a:r>
+          </a:p>
+          <a:p>
+            <a:pPr>
+              <a:lnSpc>
+                <a:spcPct val="120000"/>
+              </a:lnSpc>
+            </a:pPr>
+            <a:r>
+              <a:rPr lang="zh-CN" altLang="en-US" dirty="0"/>
+              <a:t>错误</a:t>
+            </a:r>
+            <a:endParaRPr lang="en-US" altLang="zh-CN" dirty="0"/>
+          </a:p>
+          <a:p>
+            <a:pPr lvl="1">
+              <a:lnSpc>
+                <a:spcPct val="120000"/>
+              </a:lnSpc>
+            </a:pPr>
+            <a:r>
+              <a:rPr lang="zh-CN" altLang="en-US" dirty="0"/>
+              <a:t>方格 </a:t>
+            </a:r>
+            <a:r>
+              <a:rPr lang="en-US" altLang="zh-CN" dirty="0"/>
+              <a:t>x</a:t>
             </a:r>
             <a:r>
               <a:rPr lang="en-US" altLang="zh-CN" baseline="-25000" dirty="0"/>
               <a:t>1</a:t>
             </a:r>
             <a:r>
+              <a:rPr lang="zh-CN" altLang="en-US" baseline="-25000" dirty="0"/>
+              <a:t> </a:t>
+            </a:r>
+            <a:r>
+              <a:rPr lang="zh-CN" altLang="en-US" dirty="0"/>
+              <a:t>的 </a:t>
+            </a:r>
+            <a:r>
+              <a:rPr lang="en-US" altLang="zh-CN" dirty="0" err="1"/>
+              <a:t>wx</a:t>
+            </a:r>
+            <a:r>
               <a:rPr lang="en-US" altLang="zh-CN" dirty="0"/>
-              <a:t>) = 1</a:t>
-            </a:r>
-          </a:p>
-          <a:p>
-            <a:r>
-              <a:rPr lang="zh-CN" altLang="en-US" dirty="0"/>
-              <a:t>却被判为了</a:t>
+              <a:t> &lt;</a:t>
+            </a:r>
+            <a:r>
+              <a:rPr lang="zh-CN" altLang="en-US" dirty="0"/>
+              <a:t> </a:t>
+            </a:r>
+            <a:r>
+              <a:rPr lang="en-US" altLang="zh-CN" dirty="0"/>
+              <a:t>0</a:t>
+            </a:r>
+          </a:p>
+          <a:p>
+            <a:pPr lvl="1">
+              <a:lnSpc>
+                <a:spcPct val="120000"/>
+              </a:lnSpc>
+            </a:pPr>
+            <a:r>
+              <a:rPr lang="en-US" altLang="zh-CN" dirty="0"/>
+              <a:t>f(x) </a:t>
+            </a:r>
+            <a:r>
+              <a:rPr lang="zh-CN" altLang="en-US" dirty="0"/>
+              <a:t>会被判为 </a:t>
             </a:r>
             <a:r>
               <a:rPr lang="en-US" altLang="zh-CN" dirty="0"/>
               <a:t>-1</a:t>
             </a:r>
-          </a:p>
-          <a:p>
+            <a:r>
+              <a:rPr lang="zh-CN" altLang="en-US" dirty="0"/>
+              <a:t>，是一个错误</a:t>
+            </a:r>
             <a:r>
               <a:rPr lang="en-US" altLang="zh-CN" dirty="0"/>
-              <a:t>W</a:t>
-            </a:r>
-            <a:r>
-              <a:rPr lang="zh-CN" altLang="en-US" dirty="0"/>
-              <a:t>往</a:t>
-            </a:r>
-            <a:r>
-              <a:rPr lang="en-US" altLang="zh-CN" dirty="0"/>
-              <a:t>x</a:t>
-            </a:r>
-            <a:r>
-              <a:rPr lang="en-US" altLang="zh-CN" baseline="-25000" dirty="0"/>
-              <a:t>1</a:t>
-            </a:r>
-            <a:r>
-              <a:rPr lang="zh-CN" altLang="en-US" dirty="0"/>
-              <a:t>方向转一点</a:t>
-            </a:r>
-            <a:endParaRPr lang="en-US" altLang="zh-CN" dirty="0"/>
-          </a:p>
-          <a:p>
-            <a:pPr lvl="1"/>
-            <a:r>
-              <a:rPr lang="en-US" altLang="zh-CN" dirty="0"/>
-              <a:t>W + cyx</a:t>
-            </a:r>
-            <a:r>
-              <a:rPr lang="en-US" altLang="zh-CN" baseline="-25000" dirty="0"/>
-              <a:t>1</a:t>
-            </a:r>
-          </a:p>
-          <a:p>
-            <a:r>
-              <a:rPr lang="zh-CN" altLang="en-US" dirty="0"/>
-              <a:t>判断平面逆时针旋转一点</a:t>
-            </a:r>
-            <a:endParaRPr lang="en-US" altLang="zh-CN" dirty="0"/>
-          </a:p>
-          <a:p>
-            <a:pPr lvl="1"/>
-            <a:r>
-              <a:rPr lang="zh-CN" altLang="en-US" dirty="0"/>
-              <a:t>试图把</a:t>
-            </a:r>
-            <a:r>
-              <a:rPr lang="en-US" altLang="zh-CN" dirty="0"/>
-              <a:t>x</a:t>
-            </a:r>
-            <a:r>
-              <a:rPr lang="en-US" altLang="zh-CN" baseline="-25000" dirty="0"/>
-              <a:t>1</a:t>
-            </a:r>
-            <a:r>
-              <a:rPr lang="zh-CN" altLang="en-US" dirty="0"/>
-              <a:t>包进来</a:t>
-            </a:r>
-            <a:endParaRPr lang="en-US" altLang="zh-CN" dirty="0"/>
-          </a:p>
-        </p:txBody>
-      </p:sp>
+              <a:t>·</a:t>
+            </a:r>
+          </a:p>
+        </p:txBody>
+      </p:sp>
+      <p:pic>
+        <p:nvPicPr>
+          <p:cNvPr id="6" name="图片 5">
+            <a:extLst>
+              <a:ext uri="{FF2B5EF4-FFF2-40B4-BE49-F238E27FC236}">
+                <a16:creationId xmlns:a16="http://schemas.microsoft.com/office/drawing/2014/main" id="{B560E27A-EF39-7C4F-B8DD-2AF02EB81929}"/>
+              </a:ext>
+            </a:extLst>
+          </p:cNvPr>
+          <p:cNvPicPr>
+            <a:picLocks noChangeAspect="1"/>
+          </p:cNvPicPr>
+          <p:nvPr/>
+        </p:nvPicPr>
+        <p:blipFill>
+          <a:blip r:embed="rId3"/>
+          <a:stretch>
+            <a:fillRect/>
+          </a:stretch>
+        </p:blipFill>
+        <p:spPr>
+          <a:xfrm>
+            <a:off x="195209" y="3167115"/>
+            <a:ext cx="4438436" cy="620801"/>
+          </a:xfrm>
+          <a:prstGeom prst="rect">
+            <a:avLst/>
+          </a:prstGeom>
+        </p:spPr>
+      </p:pic>
     </p:spTree>
     <p:extLst>
       <p:ext uri="{BB962C8B-B14F-4D97-AF65-F5344CB8AC3E}">
-        <p14:creationId xmlns:p14="http://schemas.microsoft.com/office/powerpoint/2010/main" val="3122677556"/>
+        <p14:creationId xmlns:p14="http://schemas.microsoft.com/office/powerpoint/2010/main" val="2091261883"/>
       </p:ext>
     </p:extLst>
   </p:cSld>
@@ -3507,6 +3788,30 @@
           <a:chExt cx="0" cy="0"/>
         </a:xfrm>
       </p:grpSpPr>
+      <p:pic>
+        <p:nvPicPr>
+          <p:cNvPr id="4" name="图片 3"/>
+          <p:cNvPicPr>
+            <a:picLocks noChangeAspect="1"/>
+          </p:cNvPicPr>
+          <p:nvPr/>
+        </p:nvPicPr>
+        <p:blipFill>
+          <a:blip r:embed="rId2"/>
+          <a:stretch>
+            <a:fillRect/>
+          </a:stretch>
+        </p:blipFill>
+        <p:spPr>
+          <a:xfrm>
+            <a:off x="2889885" y="1817158"/>
+            <a:ext cx="6238875" cy="4476750"/>
+          </a:xfrm>
+          <a:prstGeom prst="rect">
+            <a:avLst/>
+          </a:prstGeom>
+        </p:spPr>
+      </p:pic>
       <p:sp>
         <p:nvSpPr>
           <p:cNvPr id="2" name="标题 1"/>
@@ -3524,13 +3829,364 @@
           <a:p>
             <a:r>
               <a:rPr lang="zh-CN" altLang="en-US" dirty="0"/>
-              <a:t>求</a:t>
-            </a:r>
+              <a:t>对错误的处理：旋转</a:t>
+            </a:r>
+            <a:r>
+              <a:rPr lang="en-US" altLang="zh-CN" dirty="0"/>
+              <a:t>w</a:t>
+            </a:r>
+            <a:endParaRPr lang="zh-CN" altLang="en-US" dirty="0"/>
+          </a:p>
+        </p:txBody>
+      </p:sp>
+      <p:sp>
+        <p:nvSpPr>
+          <p:cNvPr id="3" name="内容占位符 2"/>
+          <p:cNvSpPr>
+            <a:spLocks noGrp="1"/>
+          </p:cNvSpPr>
+          <p:nvPr>
+            <p:ph idx="1"/>
+          </p:nvPr>
+        </p:nvSpPr>
+        <p:spPr>
+          <a:xfrm>
+            <a:off x="361522" y="1588147"/>
+            <a:ext cx="3059772" cy="4934771"/>
+          </a:xfrm>
+        </p:spPr>
+        <p:txBody>
+          <a:bodyPr>
+            <a:normAutofit fontScale="77500" lnSpcReduction="20000"/>
+          </a:bodyPr>
+          <a:lstStyle/>
+          <a:p>
+            <a:pPr>
+              <a:lnSpc>
+                <a:spcPct val="120000"/>
+              </a:lnSpc>
+            </a:pPr>
+            <a:r>
+              <a:rPr lang="zh-CN" altLang="en-US" dirty="0"/>
+              <a:t>错误：</a:t>
+            </a:r>
+            <a:endParaRPr lang="en-US" altLang="zh-CN" dirty="0"/>
+          </a:p>
+          <a:p>
+            <a:pPr lvl="1">
+              <a:lnSpc>
+                <a:spcPct val="120000"/>
+              </a:lnSpc>
+            </a:pPr>
+            <a:r>
+              <a:rPr lang="en-US" altLang="zh-CN" dirty="0"/>
+              <a:t>y(x</a:t>
+            </a:r>
+            <a:r>
+              <a:rPr lang="en-US" altLang="zh-CN" baseline="-25000" dirty="0"/>
+              <a:t>1</a:t>
+            </a:r>
+            <a:r>
+              <a:rPr lang="en-US" altLang="zh-CN" dirty="0"/>
+              <a:t>) = 1</a:t>
+            </a:r>
+          </a:p>
+          <a:p>
+            <a:pPr lvl="1">
+              <a:lnSpc>
+                <a:spcPct val="120000"/>
+              </a:lnSpc>
+            </a:pPr>
+            <a:r>
+              <a:rPr lang="en-US" altLang="zh-CN" dirty="0"/>
+              <a:t>f (x</a:t>
+            </a:r>
+            <a:r>
+              <a:rPr lang="en-US" altLang="zh-CN" baseline="-25000" dirty="0"/>
+              <a:t>1</a:t>
+            </a:r>
+            <a:r>
+              <a:rPr lang="en-US" altLang="zh-CN" dirty="0"/>
+              <a:t>) = -1</a:t>
+            </a:r>
+          </a:p>
+          <a:p>
+            <a:pPr>
+              <a:lnSpc>
+                <a:spcPct val="120000"/>
+              </a:lnSpc>
+            </a:pPr>
+            <a:r>
+              <a:rPr lang="zh-CN" altLang="en-US" dirty="0"/>
+              <a:t>方法：</a:t>
+            </a:r>
+            <a:endParaRPr lang="en-US" altLang="zh-CN" dirty="0"/>
+          </a:p>
+          <a:p>
+            <a:pPr lvl="1">
+              <a:lnSpc>
+                <a:spcPct val="120000"/>
+              </a:lnSpc>
+            </a:pPr>
             <a:r>
               <a:rPr lang="en-US" altLang="zh-CN" dirty="0"/>
               <a:t>W</a:t>
             </a:r>
-            <a:endParaRPr lang="zh-CN" altLang="en-US" dirty="0"/>
+            <a:r>
+              <a:rPr lang="zh-CN" altLang="en-US" dirty="0"/>
+              <a:t>往</a:t>
+            </a:r>
+            <a:r>
+              <a:rPr lang="en-US" altLang="zh-CN" dirty="0"/>
+              <a:t>x</a:t>
+            </a:r>
+            <a:r>
+              <a:rPr lang="en-US" altLang="zh-CN" baseline="-25000" dirty="0"/>
+              <a:t>1</a:t>
+            </a:r>
+            <a:r>
+              <a:rPr lang="zh-CN" altLang="en-US" dirty="0"/>
+              <a:t>方向转一点</a:t>
+            </a:r>
+            <a:endParaRPr lang="en-US" altLang="zh-CN" dirty="0"/>
+          </a:p>
+          <a:p>
+            <a:pPr lvl="1">
+              <a:lnSpc>
+                <a:spcPct val="120000"/>
+              </a:lnSpc>
+            </a:pPr>
+            <a:r>
+              <a:rPr lang="en-US" altLang="zh-CN" dirty="0"/>
+              <a:t>W’</a:t>
+            </a:r>
+            <a:r>
+              <a:rPr lang="zh-CN" altLang="en-US" dirty="0"/>
+              <a:t> </a:t>
+            </a:r>
+            <a:r>
+              <a:rPr lang="en-US" altLang="zh-CN" dirty="0"/>
+              <a:t>= W + 0.001</a:t>
+            </a:r>
+            <a:r>
+              <a:rPr lang="zh-CN" altLang="en-US" dirty="0"/>
+              <a:t> *</a:t>
+            </a:r>
+            <a:r>
+              <a:rPr lang="zh-CN" altLang="en-US" dirty="0">
+                <a:solidFill>
+                  <a:srgbClr val="FF0000"/>
+                </a:solidFill>
+              </a:rPr>
+              <a:t> </a:t>
+            </a:r>
+            <a:r>
+              <a:rPr lang="en-US" altLang="zh-CN" dirty="0"/>
+              <a:t>x</a:t>
+            </a:r>
+            <a:r>
+              <a:rPr lang="en-US" altLang="zh-CN" baseline="-25000" dirty="0"/>
+              <a:t>1</a:t>
+            </a:r>
+          </a:p>
+          <a:p>
+            <a:pPr>
+              <a:lnSpc>
+                <a:spcPct val="120000"/>
+              </a:lnSpc>
+            </a:pPr>
+            <a:r>
+              <a:rPr lang="zh-CN" altLang="en-US" dirty="0"/>
+              <a:t>效果：</a:t>
+            </a:r>
+            <a:endParaRPr lang="en-US" altLang="zh-CN" dirty="0"/>
+          </a:p>
+          <a:p>
+            <a:pPr lvl="1">
+              <a:lnSpc>
+                <a:spcPct val="120000"/>
+              </a:lnSpc>
+            </a:pPr>
+            <a:r>
+              <a:rPr lang="zh-CN" altLang="en-US" dirty="0"/>
+              <a:t>判断平面逆时针旋转一点</a:t>
+            </a:r>
+            <a:endParaRPr lang="en-US" altLang="zh-CN" dirty="0"/>
+          </a:p>
+          <a:p>
+            <a:pPr lvl="1">
+              <a:lnSpc>
+                <a:spcPct val="120000"/>
+              </a:lnSpc>
+            </a:pPr>
+            <a:r>
+              <a:rPr lang="zh-CN" altLang="en-US" dirty="0"/>
+              <a:t>试图把</a:t>
+            </a:r>
+            <a:r>
+              <a:rPr lang="en-US" altLang="zh-CN" dirty="0"/>
+              <a:t>x</a:t>
+            </a:r>
+            <a:r>
+              <a:rPr lang="en-US" altLang="zh-CN" baseline="-25000" dirty="0"/>
+              <a:t>1</a:t>
+            </a:r>
+            <a:r>
+              <a:rPr lang="zh-CN" altLang="en-US" dirty="0"/>
+              <a:t>包进来</a:t>
+            </a:r>
+            <a:endParaRPr lang="en-US" altLang="zh-CN" dirty="0"/>
+          </a:p>
+          <a:p>
+            <a:pPr>
+              <a:lnSpc>
+                <a:spcPct val="120000"/>
+              </a:lnSpc>
+            </a:pPr>
+            <a:r>
+              <a:rPr lang="zh-CN" altLang="en-US" dirty="0"/>
+              <a:t>思考</a:t>
+            </a:r>
+            <a:endParaRPr lang="en-US" altLang="zh-CN" dirty="0"/>
+          </a:p>
+          <a:p>
+            <a:pPr lvl="1">
+              <a:lnSpc>
+                <a:spcPct val="120000"/>
+              </a:lnSpc>
+            </a:pPr>
+            <a:r>
+              <a:rPr lang="zh-CN" altLang="en-US" dirty="0"/>
+              <a:t>如果是圆点错了，怎么旋转</a:t>
+            </a:r>
+            <a:endParaRPr lang="en-US" altLang="zh-CN" dirty="0"/>
+          </a:p>
+        </p:txBody>
+      </p:sp>
+      <p:sp>
+        <p:nvSpPr>
+          <p:cNvPr id="5" name="矩形 4">
+            <a:extLst>
+              <a:ext uri="{FF2B5EF4-FFF2-40B4-BE49-F238E27FC236}">
+                <a16:creationId xmlns:a16="http://schemas.microsoft.com/office/drawing/2014/main" id="{7A9E09A3-2C23-9441-B5CF-481898A51A02}"/>
+              </a:ext>
+            </a:extLst>
+          </p:cNvPr>
+          <p:cNvSpPr/>
+          <p:nvPr/>
+        </p:nvSpPr>
+        <p:spPr>
+          <a:xfrm>
+            <a:off x="3653987" y="6040922"/>
+            <a:ext cx="3516219" cy="505972"/>
+          </a:xfrm>
+          <a:prstGeom prst="rect">
+            <a:avLst/>
+          </a:prstGeom>
+        </p:spPr>
+        <p:txBody>
+          <a:bodyPr wrap="none">
+            <a:spAutoFit/>
+          </a:bodyPr>
+          <a:lstStyle/>
+          <a:p>
+            <a:pPr lvl="1">
+              <a:lnSpc>
+                <a:spcPct val="120000"/>
+              </a:lnSpc>
+            </a:pPr>
+            <a:r>
+              <a:rPr lang="en-US" altLang="zh-CN" sz="2400" dirty="0"/>
+              <a:t>W’</a:t>
+            </a:r>
+            <a:r>
+              <a:rPr lang="zh-CN" altLang="en-US" sz="2400" dirty="0"/>
+              <a:t> </a:t>
+            </a:r>
+            <a:r>
+              <a:rPr lang="en-US" altLang="zh-CN" sz="2400" dirty="0"/>
+              <a:t>= W + 0.001</a:t>
+            </a:r>
+            <a:r>
+              <a:rPr lang="zh-CN" altLang="en-US" sz="2400" dirty="0"/>
+              <a:t> * </a:t>
+            </a:r>
+            <a:r>
+              <a:rPr lang="en-US" altLang="zh-CN" sz="2400" dirty="0">
+                <a:solidFill>
+                  <a:srgbClr val="FF0000"/>
+                </a:solidFill>
+              </a:rPr>
+              <a:t>y</a:t>
+            </a:r>
+            <a:r>
+              <a:rPr lang="zh-CN" altLang="en-US" sz="2400" dirty="0">
+                <a:solidFill>
+                  <a:srgbClr val="FF0000"/>
+                </a:solidFill>
+              </a:rPr>
+              <a:t> * </a:t>
+            </a:r>
+            <a:r>
+              <a:rPr lang="en-US" altLang="zh-CN" sz="2400" dirty="0"/>
+              <a:t>x</a:t>
+            </a:r>
+            <a:r>
+              <a:rPr lang="en-US" altLang="zh-CN" sz="2400" baseline="-25000" dirty="0"/>
+              <a:t>1</a:t>
+            </a:r>
+          </a:p>
+        </p:txBody>
+      </p:sp>
+    </p:spTree>
+    <p:extLst>
+      <p:ext uri="{BB962C8B-B14F-4D97-AF65-F5344CB8AC3E}">
+        <p14:creationId xmlns:p14="http://schemas.microsoft.com/office/powerpoint/2010/main" val="3122677556"/>
+      </p:ext>
+    </p:extLst>
+  </p:cSld>
+  <p:clrMapOvr>
+    <a:masterClrMapping/>
+  </p:clrMapOvr>
+</p:sld>
+</file>
+
+<file path=ppt/slides/slide6.xml><?xml version="1.0" encoding="utf-8"?>
+<p:sld xmlns:a="http://schemas.openxmlformats.org/drawingml/2006/main" xmlns:r="http://schemas.openxmlformats.org/officeDocument/2006/relationships" xmlns:p="http://schemas.openxmlformats.org/presentationml/2006/main">
+  <p:cSld>
+    <p:spTree>
+      <p:nvGrpSpPr>
+        <p:cNvPr id="1" name=""/>
+        <p:cNvGrpSpPr/>
+        <p:nvPr/>
+      </p:nvGrpSpPr>
+      <p:grpSpPr>
+        <a:xfrm>
+          <a:off x="0" y="0"/>
+          <a:ext cx="0" cy="0"/>
+          <a:chOff x="0" y="0"/>
+          <a:chExt cx="0" cy="0"/>
+        </a:xfrm>
+      </p:grpSpPr>
+      <p:sp>
+        <p:nvSpPr>
+          <p:cNvPr id="2" name="标题 1"/>
+          <p:cNvSpPr>
+            <a:spLocks noGrp="1"/>
+          </p:cNvSpPr>
+          <p:nvPr>
+            <p:ph type="title"/>
+          </p:nvPr>
+        </p:nvSpPr>
+        <p:spPr/>
+        <p:txBody>
+          <a:bodyPr/>
+          <a:lstStyle/>
+          <a:p>
+            <a:r>
+              <a:rPr lang="zh-CN" altLang="en-US" dirty="0"/>
+              <a:t>算法</a:t>
+            </a:r>
           </a:p>
         </p:txBody>
       </p:sp>
